--- a/artifacts/Email_Gatekeeper.pptx
+++ b/artifacts/Email_Gatekeeper.pptx
@@ -116,7 +116,7 @@
   </p:defaultTextStyle>
   <p:extLst>
     <p:ext uri="{EFAFB233-063F-42B5-8137-9DF3F51BA10A}">
-      <p15:sldGuideLst xmlns:p15="http://schemas.microsoft.com/office/powerpoint/2012/main">
+      <p15:sldGuideLst xmlns="" xmlns:p15="http://schemas.microsoft.com/office/powerpoint/2012/main">
         <p15:guide id="1" orient="horz" pos="2160">
           <p15:clr>
             <a:srgbClr val="A4A3A4"/>
@@ -487,35 +487,6 @@
 </pc:chgInfo>
 </file>
 
-<file path=ppt/ink/ink1.xml><?xml version="1.0" encoding="utf-8"?>
-<inkml:ink xmlns:inkml="http://www.w3.org/2003/InkML">
-  <inkml:definitions>
-    <inkml:context xml:id="ctx0">
-      <inkml:inkSource xml:id="inkSrc0">
-        <inkml:traceFormat>
-          <inkml:channel name="X" type="integer" min="-2.14748E9" max="2.14748E9" units="cm"/>
-          <inkml:channel name="Y" type="integer" min="-2.14748E9" max="2.14748E9" units="cm"/>
-        </inkml:traceFormat>
-        <inkml:channelProperties>
-          <inkml:channelProperty channel="X" name="resolution" value="1000" units="1/cm"/>
-          <inkml:channelProperty channel="Y" name="resolution" value="1000" units="1/cm"/>
-        </inkml:channelProperties>
-      </inkml:inkSource>
-      <inkml:timestamp xml:id="ts0" timeString="2025-03-26T13:26:27.260"/>
-    </inkml:context>
-    <inkml:brush xml:id="br0">
-      <inkml:brushProperty name="width" value="0.3" units="cm"/>
-      <inkml:brushProperty name="height" value="0.6" units="cm"/>
-      <inkml:brushProperty name="color" value="#FFFC00"/>
-      <inkml:brushProperty name="tip" value="rectangle"/>
-      <inkml:brushProperty name="rasterOp" value="maskPen"/>
-      <inkml:brushProperty name="ignorePressure" value="1"/>
-    </inkml:brush>
-  </inkml:definitions>
-  <inkml:trace contextRef="#ctx0" brushRef="#br0">4997 139,'-22'-2,"-1"0,-35-8,32 4,-36-2,-194 6,133 3,76 2,-85 15,86-10,39-7,1 1,0 0,1 0,-1 1,0 0,0 0,-8 6,9-5,-1 0,0-1,1 0,-2 0,1 0,0-1,-9 2,-2-2,0-2,0 0,-1 0,1-2,0 0,-25-7,16 4,-45-4,-270 8,161 3,172-2,0 1,-1-1,1 2,1-1,-1 1,0 1,0-1,1 1,-1 1,1-1,-10 7,9-5,0-2,0 1,0-1,-1-1,0 1,1-1,-1-1,-11 1,-74-2,52-1,2-2,-55-10,28 3,28 3,-48-15,-3 0,30 9,-1 4,-102-4,22 15,-145-4,172-10,-38-3,-76 17,-81-4,164-11,-53-1,184 14,-15 1,0-1,0-2,0-1,0-1,-30-8,24 2,-1 2,0 2,-51-3,-110 8,104 2,70-1</inkml:trace>
-</inkml:ink>
-</file>
-
 <file path=ppt/slideLayouts/slideLayout1.xml><?xml version="1.0" encoding="utf-8"?>
 <p:sldLayout xmlns:a="http://schemas.openxmlformats.org/drawingml/2006/main" xmlns:r="http://schemas.openxmlformats.org/officeDocument/2006/relationships" xmlns:p="http://schemas.openxmlformats.org/presentationml/2006/main" type="title" preserve="1">
   <p:cSld name="Title Slide">
@@ -545,7 +516,7 @@
           <a:blip r:embed="rId2">
             <a:extLst>
               <a:ext uri="{28A0092B-C50C-407E-A947-70E740481C1C}">
-                <a14:useLocalDpi xmlns:a14="http://schemas.microsoft.com/office/drawing/2010/main" val="0"/>
+                <a14:useLocalDpi xmlns="" xmlns:a14="http://schemas.microsoft.com/office/drawing/2010/main" val="0"/>
               </a:ext>
             </a:extLst>
           </a:blip>
@@ -803,7 +774,7 @@
     </p:spTree>
     <p:extLst>
       <p:ext uri="{BB962C8B-B14F-4D97-AF65-F5344CB8AC3E}">
-        <p14:creationId xmlns:p14="http://schemas.microsoft.com/office/powerpoint/2010/main" val="2373832056"/>
+        <p14:creationId xmlns="" xmlns:p14="http://schemas.microsoft.com/office/powerpoint/2010/main" val="2373832056"/>
       </p:ext>
     </p:extLst>
   </p:cSld>
@@ -842,7 +813,7 @@
           <a:blip r:embed="rId2">
             <a:extLst>
               <a:ext uri="{28A0092B-C50C-407E-A947-70E740481C1C}">
-                <a14:useLocalDpi xmlns:a14="http://schemas.microsoft.com/office/drawing/2010/main" val="0"/>
+                <a14:useLocalDpi xmlns="" xmlns:a14="http://schemas.microsoft.com/office/drawing/2010/main" val="0"/>
               </a:ext>
             </a:extLst>
           </a:blip>
@@ -1099,7 +1070,7 @@
     </p:spTree>
     <p:extLst>
       <p:ext uri="{BB962C8B-B14F-4D97-AF65-F5344CB8AC3E}">
-        <p14:creationId xmlns:p14="http://schemas.microsoft.com/office/powerpoint/2010/main" val="1938330647"/>
+        <p14:creationId xmlns="" xmlns:p14="http://schemas.microsoft.com/office/powerpoint/2010/main" val="1938330647"/>
       </p:ext>
     </p:extLst>
   </p:cSld>
@@ -1138,7 +1109,7 @@
           <a:blip r:embed="rId2">
             <a:extLst>
               <a:ext uri="{28A0092B-C50C-407E-A947-70E740481C1C}">
-                <a14:useLocalDpi xmlns:a14="http://schemas.microsoft.com/office/drawing/2010/main" val="0"/>
+                <a14:useLocalDpi xmlns="" xmlns:a14="http://schemas.microsoft.com/office/drawing/2010/main" val="0"/>
               </a:ext>
             </a:extLst>
           </a:blip>
@@ -1379,7 +1350,7 @@
     </p:spTree>
     <p:extLst>
       <p:ext uri="{BB962C8B-B14F-4D97-AF65-F5344CB8AC3E}">
-        <p14:creationId xmlns:p14="http://schemas.microsoft.com/office/powerpoint/2010/main" val="3178283630"/>
+        <p14:creationId xmlns="" xmlns:p14="http://schemas.microsoft.com/office/powerpoint/2010/main" val="3178283630"/>
       </p:ext>
     </p:extLst>
   </p:cSld>
@@ -1418,7 +1389,7 @@
           <a:blip r:embed="rId2">
             <a:extLst>
               <a:ext uri="{28A0092B-C50C-407E-A947-70E740481C1C}">
-                <a14:useLocalDpi xmlns:a14="http://schemas.microsoft.com/office/drawing/2010/main" val="0"/>
+                <a14:useLocalDpi xmlns="" xmlns:a14="http://schemas.microsoft.com/office/drawing/2010/main" val="0"/>
               </a:ext>
             </a:extLst>
           </a:blip>
@@ -1951,7 +1922,7 @@
     </p:spTree>
     <p:extLst>
       <p:ext uri="{BB962C8B-B14F-4D97-AF65-F5344CB8AC3E}">
-        <p14:creationId xmlns:p14="http://schemas.microsoft.com/office/powerpoint/2010/main" val="4294274333"/>
+        <p14:creationId xmlns="" xmlns:p14="http://schemas.microsoft.com/office/powerpoint/2010/main" val="4294274333"/>
       </p:ext>
     </p:extLst>
   </p:cSld>
@@ -1990,7 +1961,7 @@
           <a:blip r:embed="rId2">
             <a:extLst>
               <a:ext uri="{28A0092B-C50C-407E-A947-70E740481C1C}">
-                <a14:useLocalDpi xmlns:a14="http://schemas.microsoft.com/office/drawing/2010/main" val="0"/>
+                <a14:useLocalDpi xmlns="" xmlns:a14="http://schemas.microsoft.com/office/drawing/2010/main" val="0"/>
               </a:ext>
             </a:extLst>
           </a:blip>
@@ -2231,7 +2202,7 @@
     </p:spTree>
     <p:extLst>
       <p:ext uri="{BB962C8B-B14F-4D97-AF65-F5344CB8AC3E}">
-        <p14:creationId xmlns:p14="http://schemas.microsoft.com/office/powerpoint/2010/main" val="3022281854"/>
+        <p14:creationId xmlns="" xmlns:p14="http://schemas.microsoft.com/office/powerpoint/2010/main" val="3022281854"/>
       </p:ext>
     </p:extLst>
   </p:cSld>
@@ -2270,7 +2241,7 @@
           <a:blip r:embed="rId2">
             <a:extLst>
               <a:ext uri="{28A0092B-C50C-407E-A947-70E740481C1C}">
-                <a14:useLocalDpi xmlns:a14="http://schemas.microsoft.com/office/drawing/2010/main" val="0"/>
+                <a14:useLocalDpi xmlns="" xmlns:a14="http://schemas.microsoft.com/office/drawing/2010/main" val="0"/>
               </a:ext>
             </a:extLst>
           </a:blip>
@@ -2795,7 +2766,7 @@
     </p:spTree>
     <p:extLst>
       <p:ext uri="{BB962C8B-B14F-4D97-AF65-F5344CB8AC3E}">
-        <p14:creationId xmlns:p14="http://schemas.microsoft.com/office/powerpoint/2010/main" val="3302228213"/>
+        <p14:creationId xmlns="" xmlns:p14="http://schemas.microsoft.com/office/powerpoint/2010/main" val="3302228213"/>
       </p:ext>
     </p:extLst>
   </p:cSld>
@@ -2834,7 +2805,7 @@
           <a:blip r:embed="rId2">
             <a:extLst>
               <a:ext uri="{28A0092B-C50C-407E-A947-70E740481C1C}">
-                <a14:useLocalDpi xmlns:a14="http://schemas.microsoft.com/office/drawing/2010/main" val="0"/>
+                <a14:useLocalDpi xmlns="" xmlns:a14="http://schemas.microsoft.com/office/drawing/2010/main" val="0"/>
               </a:ext>
             </a:extLst>
           </a:blip>
@@ -3124,7 +3095,7 @@
     </p:spTree>
     <p:extLst>
       <p:ext uri="{BB962C8B-B14F-4D97-AF65-F5344CB8AC3E}">
-        <p14:creationId xmlns:p14="http://schemas.microsoft.com/office/powerpoint/2010/main" val="1238871494"/>
+        <p14:creationId xmlns="" xmlns:p14="http://schemas.microsoft.com/office/powerpoint/2010/main" val="1238871494"/>
       </p:ext>
     </p:extLst>
   </p:cSld>
@@ -3163,7 +3134,7 @@
           <a:blip r:embed="rId2">
             <a:extLst>
               <a:ext uri="{28A0092B-C50C-407E-A947-70E740481C1C}">
-                <a14:useLocalDpi xmlns:a14="http://schemas.microsoft.com/office/drawing/2010/main" val="0"/>
+                <a14:useLocalDpi xmlns="" xmlns:a14="http://schemas.microsoft.com/office/drawing/2010/main" val="0"/>
               </a:ext>
             </a:extLst>
           </a:blip>
@@ -3337,7 +3308,7 @@
     </p:spTree>
     <p:extLst>
       <p:ext uri="{BB962C8B-B14F-4D97-AF65-F5344CB8AC3E}">
-        <p14:creationId xmlns:p14="http://schemas.microsoft.com/office/powerpoint/2010/main" val="1649620553"/>
+        <p14:creationId xmlns="" xmlns:p14="http://schemas.microsoft.com/office/powerpoint/2010/main" val="1649620553"/>
       </p:ext>
     </p:extLst>
   </p:cSld>
@@ -3376,7 +3347,7 @@
           <a:blip r:embed="rId2">
             <a:extLst>
               <a:ext uri="{28A0092B-C50C-407E-A947-70E740481C1C}">
-                <a14:useLocalDpi xmlns:a14="http://schemas.microsoft.com/office/drawing/2010/main" val="0"/>
+                <a14:useLocalDpi xmlns="" xmlns:a14="http://schemas.microsoft.com/office/drawing/2010/main" val="0"/>
               </a:ext>
             </a:extLst>
           </a:blip>
@@ -3555,7 +3526,7 @@
     </p:spTree>
     <p:extLst>
       <p:ext uri="{BB962C8B-B14F-4D97-AF65-F5344CB8AC3E}">
-        <p14:creationId xmlns:p14="http://schemas.microsoft.com/office/powerpoint/2010/main" val="772050885"/>
+        <p14:creationId xmlns="" xmlns:p14="http://schemas.microsoft.com/office/powerpoint/2010/main" val="772050885"/>
       </p:ext>
     </p:extLst>
   </p:cSld>
@@ -3594,7 +3565,7 @@
           <a:blip r:embed="rId2">
             <a:extLst>
               <a:ext uri="{28A0092B-C50C-407E-A947-70E740481C1C}">
-                <a14:useLocalDpi xmlns:a14="http://schemas.microsoft.com/office/drawing/2010/main" val="0"/>
+                <a14:useLocalDpi xmlns="" xmlns:a14="http://schemas.microsoft.com/office/drawing/2010/main" val="0"/>
               </a:ext>
             </a:extLst>
           </a:blip>
@@ -3763,7 +3734,7 @@
     </p:spTree>
     <p:extLst>
       <p:ext uri="{BB962C8B-B14F-4D97-AF65-F5344CB8AC3E}">
-        <p14:creationId xmlns:p14="http://schemas.microsoft.com/office/powerpoint/2010/main" val="1546044185"/>
+        <p14:creationId xmlns="" xmlns:p14="http://schemas.microsoft.com/office/powerpoint/2010/main" val="1546044185"/>
       </p:ext>
     </p:extLst>
   </p:cSld>
@@ -3802,7 +3773,7 @@
           <a:blip r:embed="rId2">
             <a:extLst>
               <a:ext uri="{28A0092B-C50C-407E-A947-70E740481C1C}">
-                <a14:useLocalDpi xmlns:a14="http://schemas.microsoft.com/office/drawing/2010/main" val="0"/>
+                <a14:useLocalDpi xmlns="" xmlns:a14="http://schemas.microsoft.com/office/drawing/2010/main" val="0"/>
               </a:ext>
             </a:extLst>
           </a:blip>
@@ -4043,7 +4014,7 @@
     </p:spTree>
     <p:extLst>
       <p:ext uri="{BB962C8B-B14F-4D97-AF65-F5344CB8AC3E}">
-        <p14:creationId xmlns:p14="http://schemas.microsoft.com/office/powerpoint/2010/main" val="3536525586"/>
+        <p14:creationId xmlns="" xmlns:p14="http://schemas.microsoft.com/office/powerpoint/2010/main" val="3536525586"/>
       </p:ext>
     </p:extLst>
   </p:cSld>
@@ -4082,7 +4053,7 @@
           <a:blip r:embed="rId2">
             <a:extLst>
               <a:ext uri="{28A0092B-C50C-407E-A947-70E740481C1C}">
-                <a14:useLocalDpi xmlns:a14="http://schemas.microsoft.com/office/drawing/2010/main" val="0"/>
+                <a14:useLocalDpi xmlns="" xmlns:a14="http://schemas.microsoft.com/office/drawing/2010/main" val="0"/>
               </a:ext>
             </a:extLst>
           </a:blip>
@@ -4311,7 +4282,7 @@
     </p:spTree>
     <p:extLst>
       <p:ext uri="{BB962C8B-B14F-4D97-AF65-F5344CB8AC3E}">
-        <p14:creationId xmlns:p14="http://schemas.microsoft.com/office/powerpoint/2010/main" val="3563397434"/>
+        <p14:creationId xmlns="" xmlns:p14="http://schemas.microsoft.com/office/powerpoint/2010/main" val="3563397434"/>
       </p:ext>
     </p:extLst>
   </p:cSld>
@@ -4350,7 +4321,7 @@
           <a:blip r:embed="rId2">
             <a:extLst>
               <a:ext uri="{28A0092B-C50C-407E-A947-70E740481C1C}">
-                <a14:useLocalDpi xmlns:a14="http://schemas.microsoft.com/office/drawing/2010/main" val="0"/>
+                <a14:useLocalDpi xmlns="" xmlns:a14="http://schemas.microsoft.com/office/drawing/2010/main" val="0"/>
               </a:ext>
             </a:extLst>
           </a:blip>
@@ -4719,7 +4690,7 @@
     </p:spTree>
     <p:extLst>
       <p:ext uri="{BB962C8B-B14F-4D97-AF65-F5344CB8AC3E}">
-        <p14:creationId xmlns:p14="http://schemas.microsoft.com/office/powerpoint/2010/main" val="226640116"/>
+        <p14:creationId xmlns="" xmlns:p14="http://schemas.microsoft.com/office/powerpoint/2010/main" val="226640116"/>
       </p:ext>
     </p:extLst>
   </p:cSld>
@@ -4758,7 +4729,7 @@
           <a:blip r:embed="rId2">
             <a:extLst>
               <a:ext uri="{28A0092B-C50C-407E-A947-70E740481C1C}">
-                <a14:useLocalDpi xmlns:a14="http://schemas.microsoft.com/office/drawing/2010/main" val="0"/>
+                <a14:useLocalDpi xmlns="" xmlns:a14="http://schemas.microsoft.com/office/drawing/2010/main" val="0"/>
               </a:ext>
             </a:extLst>
           </a:blip>
@@ -4880,7 +4851,7 @@
     </p:spTree>
     <p:extLst>
       <p:ext uri="{BB962C8B-B14F-4D97-AF65-F5344CB8AC3E}">
-        <p14:creationId xmlns:p14="http://schemas.microsoft.com/office/powerpoint/2010/main" val="761400805"/>
+        <p14:creationId xmlns="" xmlns:p14="http://schemas.microsoft.com/office/powerpoint/2010/main" val="761400805"/>
       </p:ext>
     </p:extLst>
   </p:cSld>
@@ -4919,7 +4890,7 @@
           <a:blip r:embed="rId2">
             <a:extLst>
               <a:ext uri="{28A0092B-C50C-407E-A947-70E740481C1C}">
-                <a14:useLocalDpi xmlns:a14="http://schemas.microsoft.com/office/drawing/2010/main" val="0"/>
+                <a14:useLocalDpi xmlns="" xmlns:a14="http://schemas.microsoft.com/office/drawing/2010/main" val="0"/>
               </a:ext>
             </a:extLst>
           </a:blip>
@@ -5007,7 +4978,7 @@
     </p:spTree>
     <p:extLst>
       <p:ext uri="{BB962C8B-B14F-4D97-AF65-F5344CB8AC3E}">
-        <p14:creationId xmlns:p14="http://schemas.microsoft.com/office/powerpoint/2010/main" val="1795903991"/>
+        <p14:creationId xmlns="" xmlns:p14="http://schemas.microsoft.com/office/powerpoint/2010/main" val="1795903991"/>
       </p:ext>
     </p:extLst>
   </p:cSld>
@@ -5046,7 +5017,7 @@
           <a:blip r:embed="rId2">
             <a:extLst>
               <a:ext uri="{28A0092B-C50C-407E-A947-70E740481C1C}">
-                <a14:useLocalDpi xmlns:a14="http://schemas.microsoft.com/office/drawing/2010/main" val="0"/>
+                <a14:useLocalDpi xmlns="" xmlns:a14="http://schemas.microsoft.com/office/drawing/2010/main" val="0"/>
               </a:ext>
             </a:extLst>
           </a:blip>
@@ -5294,7 +5265,7 @@
     </p:spTree>
     <p:extLst>
       <p:ext uri="{BB962C8B-B14F-4D97-AF65-F5344CB8AC3E}">
-        <p14:creationId xmlns:p14="http://schemas.microsoft.com/office/powerpoint/2010/main" val="438642505"/>
+        <p14:creationId xmlns="" xmlns:p14="http://schemas.microsoft.com/office/powerpoint/2010/main" val="438642505"/>
       </p:ext>
     </p:extLst>
   </p:cSld>
@@ -5333,7 +5304,7 @@
           <a:blip r:embed="rId2">
             <a:extLst>
               <a:ext uri="{28A0092B-C50C-407E-A947-70E740481C1C}">
-                <a14:useLocalDpi xmlns:a14="http://schemas.microsoft.com/office/drawing/2010/main" val="0"/>
+                <a14:useLocalDpi xmlns="" xmlns:a14="http://schemas.microsoft.com/office/drawing/2010/main" val="0"/>
               </a:ext>
             </a:extLst>
           </a:blip>
@@ -5590,7 +5561,7 @@
     </p:spTree>
     <p:extLst>
       <p:ext uri="{BB962C8B-B14F-4D97-AF65-F5344CB8AC3E}">
-        <p14:creationId xmlns:p14="http://schemas.microsoft.com/office/powerpoint/2010/main" val="1852913280"/>
+        <p14:creationId xmlns="" xmlns:p14="http://schemas.microsoft.com/office/powerpoint/2010/main" val="1852913280"/>
       </p:ext>
     </p:extLst>
   </p:cSld>
@@ -5842,7 +5813,7 @@
     </p:spTree>
     <p:extLst>
       <p:ext uri="{BB962C8B-B14F-4D97-AF65-F5344CB8AC3E}">
-        <p14:creationId xmlns:p14="http://schemas.microsoft.com/office/powerpoint/2010/main" val="901877197"/>
+        <p14:creationId xmlns="" xmlns:p14="http://schemas.microsoft.com/office/powerpoint/2010/main" val="901877197"/>
       </p:ext>
     </p:extLst>
   </p:cSld>
@@ -6417,6 +6388,32 @@
           </a:p>
         </p:txBody>
       </p:sp>
+      <p:pic>
+        <p:nvPicPr>
+          <p:cNvPr id="5" name="Picture 3" descr="C:\Users\amita\OneDrive\Documents\Hackathon\O2NsytDFwUBHEkyeH6mfo.jpg"/>
+          <p:cNvPicPr>
+            <a:picLocks noChangeAspect="1" noChangeArrowheads="1"/>
+          </p:cNvPicPr>
+          <p:nvPr/>
+        </p:nvPicPr>
+        <p:blipFill>
+          <a:blip r:embed="rId2"/>
+          <a:srcRect/>
+          <a:stretch>
+            <a:fillRect/>
+          </a:stretch>
+        </p:blipFill>
+        <p:spPr bwMode="auto">
+          <a:xfrm>
+            <a:off x="4669278" y="175098"/>
+            <a:ext cx="4168302" cy="2665379"/>
+          </a:xfrm>
+          <a:prstGeom prst="rect">
+            <a:avLst/>
+          </a:prstGeom>
+          <a:noFill/>
+        </p:spPr>
+      </p:pic>
     </p:spTree>
   </p:cSld>
   <p:clrMapOvr>
@@ -6509,7 +6506,7 @@
           <p:cNvPr id="4" name="Picture 3">
             <a:extLst>
               <a:ext uri="{FF2B5EF4-FFF2-40B4-BE49-F238E27FC236}">
-                <a16:creationId xmlns:a16="http://schemas.microsoft.com/office/drawing/2014/main" id="{FCE05CD1-424F-09FA-6BA1-014BBF5F9C3A}"/>
+                <a16:creationId xmlns="" xmlns:a16="http://schemas.microsoft.com/office/drawing/2014/main" id="{FCE05CD1-424F-09FA-6BA1-014BBF5F9C3A}"/>
               </a:ext>
             </a:extLst>
           </p:cNvPr>
@@ -6550,7 +6547,7 @@
         <p:cNvPr id="1" name="">
           <a:extLst>
             <a:ext uri="{FF2B5EF4-FFF2-40B4-BE49-F238E27FC236}">
-              <a16:creationId xmlns:a16="http://schemas.microsoft.com/office/drawing/2014/main" id="{4A7DA889-72E5-21E0-4742-11DD42B5F167}"/>
+              <a16:creationId xmlns="" xmlns:a16="http://schemas.microsoft.com/office/drawing/2014/main" id="{4A7DA889-72E5-21E0-4742-11DD42B5F167}"/>
             </a:ext>
           </a:extLst>
         </p:cNvPr>
@@ -6570,7 +6567,7 @@
           <p:cNvPr id="3" name="Content Placeholder 2">
             <a:extLst>
               <a:ext uri="{FF2B5EF4-FFF2-40B4-BE49-F238E27FC236}">
-                <a16:creationId xmlns:a16="http://schemas.microsoft.com/office/drawing/2014/main" id="{1353ECA6-AC52-382E-66AD-AC999C7FF2EA}"/>
+                <a16:creationId xmlns="" xmlns:a16="http://schemas.microsoft.com/office/drawing/2014/main" id="{1353ECA6-AC52-382E-66AD-AC999C7FF2EA}"/>
               </a:ext>
             </a:extLst>
           </p:cNvPr>
@@ -6601,7 +6598,7 @@
     </p:spTree>
     <p:extLst>
       <p:ext uri="{BB962C8B-B14F-4D97-AF65-F5344CB8AC3E}">
-        <p14:creationId xmlns:p14="http://schemas.microsoft.com/office/powerpoint/2010/main" val="1276116158"/>
+        <p14:creationId xmlns="" xmlns:p14="http://schemas.microsoft.com/office/powerpoint/2010/main" val="1276116158"/>
       </p:ext>
     </p:extLst>
   </p:cSld>
@@ -6675,21 +6672,45 @@
             <a:pPr lvl="0"/>
             <a:r>
               <a:rPr lang="en-US" dirty="0"/>
-              <a:t> Manual email processing creates bottlenecks in loan servicing</a:t>
+              <a:t> Manual email processing creates </a:t>
+            </a:r>
+            <a:r>
+              <a:rPr lang="en-US" b="1" dirty="0"/>
+              <a:t>bottlenecks </a:t>
+            </a:r>
+            <a:r>
+              <a:rPr lang="en-US" dirty="0"/>
+              <a:t>in loan servicing</a:t>
             </a:r>
           </a:p>
           <a:p>
             <a:pPr lvl="0"/>
             <a:r>
+              <a:rPr lang="en-US" dirty="0" smtClean="0"/>
+              <a:t>“Analyst “ role </a:t>
+            </a:r>
+            <a:r>
               <a:rPr lang="en-US" dirty="0"/>
-              <a:t>"Gatekeeper" role currently handles classification and data extraction</a:t>
+              <a:t>currently handles classification and data extraction</a:t>
             </a:r>
           </a:p>
           <a:p>
             <a:pPr lvl="0"/>
             <a:r>
               <a:rPr lang="en-US" dirty="0"/>
-              <a:t>High potential for human error and processing delays</a:t>
+              <a:t>High potential for </a:t>
+            </a:r>
+            <a:r>
+              <a:rPr lang="en-US" b="1" dirty="0"/>
+              <a:t>human error </a:t>
+            </a:r>
+            <a:r>
+              <a:rPr lang="en-US" dirty="0"/>
+              <a:t>and </a:t>
+            </a:r>
+            <a:r>
+              <a:rPr lang="en-US" b="1" dirty="0"/>
+              <a:t>processing delays</a:t>
             </a:r>
           </a:p>
           <a:p>
@@ -6746,7 +6767,7 @@
         <p:cNvPr id="1" name="">
           <a:extLst>
             <a:ext uri="{FF2B5EF4-FFF2-40B4-BE49-F238E27FC236}">
-              <a16:creationId xmlns:a16="http://schemas.microsoft.com/office/drawing/2014/main" id="{8827FF83-3EDF-4987-ED0E-809CEFEE511E}"/>
+              <a16:creationId xmlns="" xmlns:a16="http://schemas.microsoft.com/office/drawing/2014/main" id="{8827FF83-3EDF-4987-ED0E-809CEFEE511E}"/>
             </a:ext>
           </a:extLst>
         </p:cNvPr>
@@ -6766,7 +6787,7 @@
           <p:cNvPr id="2" name="Title 1">
             <a:extLst>
               <a:ext uri="{FF2B5EF4-FFF2-40B4-BE49-F238E27FC236}">
-                <a16:creationId xmlns:a16="http://schemas.microsoft.com/office/drawing/2014/main" id="{EF257413-B7F7-B847-7D4A-4A9B1EAAA3A8}"/>
+                <a16:creationId xmlns="" xmlns:a16="http://schemas.microsoft.com/office/drawing/2014/main" id="{EF257413-B7F7-B847-7D4A-4A9B1EAAA3A8}"/>
               </a:ext>
             </a:extLst>
           </p:cNvPr>
@@ -6793,7 +6814,7 @@
           <p:cNvPr id="3" name="Content Placeholder 2">
             <a:extLst>
               <a:ext uri="{FF2B5EF4-FFF2-40B4-BE49-F238E27FC236}">
-                <a16:creationId xmlns:a16="http://schemas.microsoft.com/office/drawing/2014/main" id="{9264615A-A08B-85CA-159A-A174592F10D8}"/>
+                <a16:creationId xmlns="" xmlns:a16="http://schemas.microsoft.com/office/drawing/2014/main" id="{9264615A-A08B-85CA-159A-A174592F10D8}"/>
               </a:ext>
             </a:extLst>
           </p:cNvPr>
@@ -6849,36 +6870,10 @@
           </a:p>
         </p:txBody>
       </p:sp>
-      <p:pic>
-        <p:nvPicPr>
-          <p:cNvPr id="2051" name="Picture 3" descr="C:\Users\amita\OneDrive\Documents\Hackathon\O2NsytDFwUBHEkyeH6mfo.jpg"/>
-          <p:cNvPicPr>
-            <a:picLocks noChangeAspect="1" noChangeArrowheads="1"/>
-          </p:cNvPicPr>
-          <p:nvPr/>
-        </p:nvPicPr>
-        <p:blipFill>
-          <a:blip r:embed="rId2"/>
-          <a:srcRect/>
-          <a:stretch>
-            <a:fillRect/>
-          </a:stretch>
-        </p:blipFill>
-        <p:spPr bwMode="auto">
-          <a:xfrm>
-            <a:off x="5552332" y="145915"/>
-            <a:ext cx="3290111" cy="2363821"/>
-          </a:xfrm>
-          <a:prstGeom prst="rect">
-            <a:avLst/>
-          </a:prstGeom>
-          <a:noFill/>
-        </p:spPr>
-      </p:pic>
     </p:spTree>
     <p:extLst>
       <p:ext uri="{BB962C8B-B14F-4D97-AF65-F5344CB8AC3E}">
-        <p14:creationId xmlns:p14="http://schemas.microsoft.com/office/powerpoint/2010/main" val="4211248352"/>
+        <p14:creationId xmlns="" xmlns:p14="http://schemas.microsoft.com/office/powerpoint/2010/main" val="4211248352"/>
       </p:ext>
     </p:extLst>
   </p:cSld>
@@ -6954,64 +6949,276 @@
           </a:bodyPr>
           <a:lstStyle/>
           <a:p>
-            <a:r>
-              <a:rPr dirty="0"/>
-              <a:t>Email</a:t>
-            </a:r>
-            <a:r>
-              <a:rPr lang="en-US" dirty="0"/>
-              <a:t>/Document </a:t>
-            </a:r>
-            <a:r>
-              <a:rPr lang="en-IN" dirty="0"/>
-              <a:t>Extractor</a:t>
-            </a:r>
-            <a:r>
-              <a:rPr dirty="0"/>
-              <a:t>:</a:t>
-            </a:r>
-            <a:r>
-              <a:rPr lang="en-IN" dirty="0"/>
+            <a:endParaRPr lang="en-IN" dirty="0" smtClean="0"/>
+          </a:p>
+          <a:p>
+            <a:endParaRPr lang="en-IN" dirty="0" smtClean="0"/>
+          </a:p>
+          <a:p>
+            <a:endParaRPr lang="en-IN" dirty="0" smtClean="0"/>
+          </a:p>
+        </p:txBody>
+      </p:sp>
+      <p:sp>
+        <p:nvSpPr>
+          <p:cNvPr id="4" name="Rectangle 3"/>
+          <p:cNvSpPr/>
+          <p:nvPr/>
+        </p:nvSpPr>
+        <p:spPr>
+          <a:xfrm>
+            <a:off x="739302" y="2071991"/>
+            <a:ext cx="2675106" cy="573932"/>
+          </a:xfrm>
+          <a:prstGeom prst="rect">
+            <a:avLst/>
+          </a:prstGeom>
+        </p:spPr>
+        <p:style>
+          <a:lnRef idx="2">
+            <a:schemeClr val="accent1">
+              <a:shade val="50000"/>
+            </a:schemeClr>
+          </a:lnRef>
+          <a:fillRef idx="1">
+            <a:schemeClr val="accent1"/>
+          </a:fillRef>
+          <a:effectRef idx="0">
+            <a:schemeClr val="accent1"/>
+          </a:effectRef>
+          <a:fontRef idx="minor">
+            <a:schemeClr val="lt1"/>
+          </a:fontRef>
+        </p:style>
+        <p:txBody>
+          <a:bodyPr rtlCol="0" anchor="ctr"/>
+          <a:lstStyle/>
+          <a:p>
+            <a:pPr algn="ctr"/>
+            <a:endParaRPr lang="en-US" dirty="0" smtClean="0"/>
+          </a:p>
+          <a:p>
+            <a:pPr algn="ctr"/>
+            <a:r>
+              <a:rPr lang="en-US" dirty="0" smtClean="0"/>
+              <a:t>Email/Document Extractor</a:t>
+            </a:r>
+          </a:p>
+          <a:p>
+            <a:pPr algn="ctr"/>
+            <a:endParaRPr lang="en-US" dirty="0"/>
+          </a:p>
+        </p:txBody>
+      </p:sp>
+      <p:sp>
+        <p:nvSpPr>
+          <p:cNvPr id="5" name="Rectangle 4"/>
+          <p:cNvSpPr/>
+          <p:nvPr/>
+        </p:nvSpPr>
+        <p:spPr>
+          <a:xfrm>
+            <a:off x="5311302" y="2071991"/>
+            <a:ext cx="2918298" cy="573932"/>
+          </a:xfrm>
+          <a:prstGeom prst="rect">
+            <a:avLst/>
+          </a:prstGeom>
+        </p:spPr>
+        <p:style>
+          <a:lnRef idx="2">
+            <a:schemeClr val="accent1">
+              <a:shade val="50000"/>
+            </a:schemeClr>
+          </a:lnRef>
+          <a:fillRef idx="1">
+            <a:schemeClr val="accent1"/>
+          </a:fillRef>
+          <a:effectRef idx="0">
+            <a:schemeClr val="accent1"/>
+          </a:effectRef>
+          <a:fontRef idx="minor">
+            <a:schemeClr val="lt1"/>
+          </a:fontRef>
+        </p:style>
+        <p:txBody>
+          <a:bodyPr rtlCol="0" anchor="ctr"/>
+          <a:lstStyle/>
+          <a:p>
+            <a:pPr algn="ctr"/>
+            <a:endParaRPr lang="en-IN" dirty="0" smtClean="0"/>
+          </a:p>
+          <a:p>
+            <a:pPr algn="ctr"/>
+            <a:r>
+              <a:rPr lang="en-IN" dirty="0" smtClean="0"/>
+              <a:t>Content Token</a:t>
+            </a:r>
+            <a:r>
+              <a:rPr lang="en-US" dirty="0" smtClean="0"/>
               <a:t> </a:t>
             </a:r>
-            <a:endParaRPr dirty="0"/>
-          </a:p>
-          <a:p>
-            <a:r>
-              <a:rPr lang="en-IN" dirty="0"/>
-              <a:t>Content Token</a:t>
-            </a:r>
-            <a:r>
-              <a:rPr lang="en-US" dirty="0"/>
-              <a:t> </a:t>
-            </a:r>
-            <a:r>
-              <a:rPr lang="en-IN" dirty="0"/>
+            <a:r>
+              <a:rPr lang="en-IN" dirty="0" smtClean="0"/>
               <a:t>Processor</a:t>
             </a:r>
-            <a:r>
-              <a:rPr dirty="0"/>
-              <a:t>:</a:t>
-            </a:r>
-            <a:endParaRPr lang="en-IN" dirty="0"/>
-          </a:p>
-          <a:p>
-            <a:r>
-              <a:rPr lang="en-IN" dirty="0"/>
+          </a:p>
+          <a:p>
+            <a:pPr algn="ctr"/>
+            <a:endParaRPr lang="en-US" dirty="0"/>
+          </a:p>
+        </p:txBody>
+      </p:sp>
+      <p:sp>
+        <p:nvSpPr>
+          <p:cNvPr id="6" name="Rectangle 5"/>
+          <p:cNvSpPr/>
+          <p:nvPr/>
+        </p:nvSpPr>
+        <p:spPr>
+          <a:xfrm>
+            <a:off x="5311302" y="2996118"/>
+            <a:ext cx="2918298" cy="593387"/>
+          </a:xfrm>
+          <a:prstGeom prst="rect">
+            <a:avLst/>
+          </a:prstGeom>
+        </p:spPr>
+        <p:style>
+          <a:lnRef idx="2">
+            <a:schemeClr val="accent1">
+              <a:shade val="50000"/>
+            </a:schemeClr>
+          </a:lnRef>
+          <a:fillRef idx="1">
+            <a:schemeClr val="accent1"/>
+          </a:fillRef>
+          <a:effectRef idx="0">
+            <a:schemeClr val="accent1"/>
+          </a:effectRef>
+          <a:fontRef idx="minor">
+            <a:schemeClr val="lt1"/>
+          </a:fontRef>
+        </p:style>
+        <p:txBody>
+          <a:bodyPr rtlCol="0" anchor="ctr"/>
+          <a:lstStyle/>
+          <a:p>
+            <a:pPr algn="ctr"/>
+            <a:endParaRPr lang="en-IN" dirty="0" smtClean="0"/>
+          </a:p>
+          <a:p>
+            <a:pPr algn="ctr"/>
+            <a:r>
+              <a:rPr lang="en-IN" dirty="0" smtClean="0"/>
+              <a:t>Email/Document Analyser</a:t>
+            </a:r>
+          </a:p>
+          <a:p>
+            <a:pPr algn="ctr"/>
+            <a:endParaRPr lang="en-US" dirty="0"/>
+          </a:p>
+        </p:txBody>
+      </p:sp>
+      <p:sp>
+        <p:nvSpPr>
+          <p:cNvPr id="7" name="Rectangle 6"/>
+          <p:cNvSpPr/>
+          <p:nvPr/>
+        </p:nvSpPr>
+        <p:spPr>
+          <a:xfrm>
+            <a:off x="739302" y="2996118"/>
+            <a:ext cx="2675106" cy="535019"/>
+          </a:xfrm>
+          <a:prstGeom prst="rect">
+            <a:avLst/>
+          </a:prstGeom>
+        </p:spPr>
+        <p:style>
+          <a:lnRef idx="2">
+            <a:schemeClr val="accent1">
+              <a:shade val="50000"/>
+            </a:schemeClr>
+          </a:lnRef>
+          <a:fillRef idx="1">
+            <a:schemeClr val="accent1"/>
+          </a:fillRef>
+          <a:effectRef idx="0">
+            <a:schemeClr val="accent1"/>
+          </a:effectRef>
+          <a:fontRef idx="minor">
+            <a:schemeClr val="lt1"/>
+          </a:fontRef>
+        </p:style>
+        <p:txBody>
+          <a:bodyPr rtlCol="0" anchor="ctr"/>
+          <a:lstStyle/>
+          <a:p>
+            <a:pPr algn="ctr"/>
+            <a:endParaRPr lang="en-IN" dirty="0" smtClean="0"/>
+          </a:p>
+          <a:p>
+            <a:pPr algn="ctr"/>
+            <a:r>
+              <a:rPr lang="en-IN" dirty="0" smtClean="0"/>
               <a:t>LLM Integration</a:t>
             </a:r>
           </a:p>
           <a:p>
-            <a:r>
-              <a:rPr lang="en-IN" dirty="0"/>
-              <a:t>Email/Document Analyser</a:t>
-            </a:r>
-          </a:p>
-          <a:p>
-            <a:r>
-              <a:rPr lang="en-IN" dirty="0"/>
+            <a:pPr algn="ctr"/>
+            <a:endParaRPr lang="en-US" dirty="0"/>
+          </a:p>
+        </p:txBody>
+      </p:sp>
+      <p:sp>
+        <p:nvSpPr>
+          <p:cNvPr id="8" name="Rectangle 7"/>
+          <p:cNvSpPr/>
+          <p:nvPr/>
+        </p:nvSpPr>
+        <p:spPr>
+          <a:xfrm>
+            <a:off x="2714017" y="4231532"/>
+            <a:ext cx="3608962" cy="622570"/>
+          </a:xfrm>
+          <a:prstGeom prst="rect">
+            <a:avLst/>
+          </a:prstGeom>
+        </p:spPr>
+        <p:style>
+          <a:lnRef idx="2">
+            <a:schemeClr val="accent1">
+              <a:shade val="50000"/>
+            </a:schemeClr>
+          </a:lnRef>
+          <a:fillRef idx="1">
+            <a:schemeClr val="accent1"/>
+          </a:fillRef>
+          <a:effectRef idx="0">
+            <a:schemeClr val="accent1"/>
+          </a:effectRef>
+          <a:fontRef idx="minor">
+            <a:schemeClr val="lt1"/>
+          </a:fontRef>
+        </p:style>
+        <p:txBody>
+          <a:bodyPr rtlCol="0" anchor="ctr"/>
+          <a:lstStyle/>
+          <a:p>
+            <a:pPr algn="ctr"/>
+            <a:endParaRPr lang="en-IN" dirty="0" smtClean="0"/>
+          </a:p>
+          <a:p>
+            <a:pPr algn="ctr"/>
+            <a:r>
+              <a:rPr lang="en-IN" dirty="0" smtClean="0"/>
               <a:t>Email/Document Categorization</a:t>
             </a:r>
+          </a:p>
+          <a:p>
+            <a:pPr algn="ctr"/>
+            <a:endParaRPr lang="en-US" dirty="0"/>
           </a:p>
         </p:txBody>
       </p:sp>
@@ -7031,7 +7238,7 @@
         <p:cNvPr id="1" name="">
           <a:extLst>
             <a:ext uri="{FF2B5EF4-FFF2-40B4-BE49-F238E27FC236}">
-              <a16:creationId xmlns:a16="http://schemas.microsoft.com/office/drawing/2014/main" id="{96651750-5FB5-17C9-F043-B4A3681A2FB4}"/>
+              <a16:creationId xmlns="" xmlns:a16="http://schemas.microsoft.com/office/drawing/2014/main" id="{96651750-5FB5-17C9-F043-B4A3681A2FB4}"/>
             </a:ext>
           </a:extLst>
         </p:cNvPr>
@@ -7051,7 +7258,7 @@
           <p:cNvPr id="2" name="Title 1">
             <a:extLst>
               <a:ext uri="{FF2B5EF4-FFF2-40B4-BE49-F238E27FC236}">
-                <a16:creationId xmlns:a16="http://schemas.microsoft.com/office/drawing/2014/main" id="{EC8420BB-ED43-3E52-12C9-07D184B215F6}"/>
+                <a16:creationId xmlns="" xmlns:a16="http://schemas.microsoft.com/office/drawing/2014/main" id="{EC8420BB-ED43-3E52-12C9-07D184B215F6}"/>
               </a:ext>
             </a:extLst>
           </p:cNvPr>
@@ -7085,7 +7292,7 @@
           <p:cNvPr id="3" name="Content Placeholder 2">
             <a:extLst>
               <a:ext uri="{FF2B5EF4-FFF2-40B4-BE49-F238E27FC236}">
-                <a16:creationId xmlns:a16="http://schemas.microsoft.com/office/drawing/2014/main" id="{F06282B6-00BB-CB74-A96F-CA2A6BE1D0BC}"/>
+                <a16:creationId xmlns="" xmlns:a16="http://schemas.microsoft.com/office/drawing/2014/main" id="{F06282B6-00BB-CB74-A96F-CA2A6BE1D0BC}"/>
               </a:ext>
             </a:extLst>
           </p:cNvPr>
@@ -7270,7 +7477,7 @@
     </p:spTree>
     <p:extLst>
       <p:ext uri="{BB962C8B-B14F-4D97-AF65-F5344CB8AC3E}">
-        <p14:creationId xmlns:p14="http://schemas.microsoft.com/office/powerpoint/2010/main" val="2242203526"/>
+        <p14:creationId xmlns="" xmlns:p14="http://schemas.microsoft.com/office/powerpoint/2010/main" val="2242203526"/>
       </p:ext>
     </p:extLst>
   </p:cSld>
@@ -7288,7 +7495,7 @@
         <p:cNvPr id="1" name="">
           <a:extLst>
             <a:ext uri="{FF2B5EF4-FFF2-40B4-BE49-F238E27FC236}">
-              <a16:creationId xmlns:a16="http://schemas.microsoft.com/office/drawing/2014/main" id="{8827FF83-3EDF-4987-ED0E-809CEFEE511E}"/>
+              <a16:creationId xmlns="" xmlns:a16="http://schemas.microsoft.com/office/drawing/2014/main" id="{8827FF83-3EDF-4987-ED0E-809CEFEE511E}"/>
             </a:ext>
           </a:extLst>
         </p:cNvPr>
@@ -7308,7 +7515,7 @@
           <p:cNvPr id="2" name="Title 1">
             <a:extLst>
               <a:ext uri="{FF2B5EF4-FFF2-40B4-BE49-F238E27FC236}">
-                <a16:creationId xmlns:a16="http://schemas.microsoft.com/office/drawing/2014/main" id="{EF257413-B7F7-B847-7D4A-4A9B1EAAA3A8}"/>
+                <a16:creationId xmlns="" xmlns:a16="http://schemas.microsoft.com/office/drawing/2014/main" id="{EF257413-B7F7-B847-7D4A-4A9B1EAAA3A8}"/>
               </a:ext>
             </a:extLst>
           </p:cNvPr>
@@ -7342,7 +7549,7 @@
           <p:cNvPr id="3" name="Content Placeholder 2">
             <a:extLst>
               <a:ext uri="{FF2B5EF4-FFF2-40B4-BE49-F238E27FC236}">
-                <a16:creationId xmlns:a16="http://schemas.microsoft.com/office/drawing/2014/main" id="{9264615A-A08B-85CA-159A-A174592F10D8}"/>
+                <a16:creationId xmlns="" xmlns:a16="http://schemas.microsoft.com/office/drawing/2014/main" id="{9264615A-A08B-85CA-159A-A174592F10D8}"/>
               </a:ext>
             </a:extLst>
           </p:cNvPr>
@@ -7391,7 +7598,7 @@
     </p:spTree>
     <p:extLst>
       <p:ext uri="{BB962C8B-B14F-4D97-AF65-F5344CB8AC3E}">
-        <p14:creationId xmlns:p14="http://schemas.microsoft.com/office/powerpoint/2010/main" val="4211248352"/>
+        <p14:creationId xmlns="" xmlns:p14="http://schemas.microsoft.com/office/powerpoint/2010/main" val="4211248352"/>
       </p:ext>
     </p:extLst>
   </p:cSld>
@@ -7679,7 +7886,7 @@
         <p:cNvPr id="1" name="">
           <a:extLst>
             <a:ext uri="{FF2B5EF4-FFF2-40B4-BE49-F238E27FC236}">
-              <a16:creationId xmlns:a16="http://schemas.microsoft.com/office/drawing/2014/main" id="{EC467EA5-A36C-B7B2-2A05-208D70078F32}"/>
+              <a16:creationId xmlns="" xmlns:a16="http://schemas.microsoft.com/office/drawing/2014/main" id="{EC467EA5-A36C-B7B2-2A05-208D70078F32}"/>
             </a:ext>
           </a:extLst>
         </p:cNvPr>
@@ -7699,7 +7906,7 @@
           <p:cNvPr id="2" name="Title 1">
             <a:extLst>
               <a:ext uri="{FF2B5EF4-FFF2-40B4-BE49-F238E27FC236}">
-                <a16:creationId xmlns:a16="http://schemas.microsoft.com/office/drawing/2014/main" id="{7774AFCC-1AC2-E61B-BE79-34352C6C5957}"/>
+                <a16:creationId xmlns="" xmlns:a16="http://schemas.microsoft.com/office/drawing/2014/main" id="{7774AFCC-1AC2-E61B-BE79-34352C6C5957}"/>
               </a:ext>
             </a:extLst>
           </p:cNvPr>
@@ -7733,7 +7940,7 @@
           <p:cNvPr id="9" name="Content Placeholder 8">
             <a:extLst>
               <a:ext uri="{FF2B5EF4-FFF2-40B4-BE49-F238E27FC236}">
-                <a16:creationId xmlns:a16="http://schemas.microsoft.com/office/drawing/2014/main" id="{7E6DD95A-9FFD-F1F3-225B-ACE0DE8712CF}"/>
+                <a16:creationId xmlns="" xmlns:a16="http://schemas.microsoft.com/office/drawing/2014/main" id="{7E6DD95A-9FFD-F1F3-225B-ACE0DE8712CF}"/>
               </a:ext>
             </a:extLst>
           </p:cNvPr>
@@ -7752,47 +7959,119 @@
         </p:blipFill>
         <p:spPr>
           <a:xfrm>
-            <a:off x="108156" y="2196610"/>
-            <a:ext cx="4572000" cy="3428337"/>
+            <a:off x="224888" y="1224588"/>
+            <a:ext cx="3714814" cy="2785572"/>
           </a:xfrm>
         </p:spPr>
       </p:pic>
-      <p:pic>
-        <p:nvPicPr>
-          <p:cNvPr id="7" name="Picture 6">
+      <p:sp>
+        <p:nvSpPr>
+          <p:cNvPr id="11" name="TextBox 10">
             <a:extLst>
               <a:ext uri="{FF2B5EF4-FFF2-40B4-BE49-F238E27FC236}">
-                <a16:creationId xmlns:a16="http://schemas.microsoft.com/office/drawing/2014/main" id="{C7B5EBFB-FFAB-C444-E762-709695CE8FAA}"/>
+                <a16:creationId xmlns="" xmlns:a16="http://schemas.microsoft.com/office/drawing/2014/main" id="{8D4E4CE7-1A36-6495-D45A-924A7B174121}"/>
               </a:ext>
             </a:extLst>
           </p:cNvPr>
+          <p:cNvSpPr txBox="1"/>
+          <p:nvPr/>
+        </p:nvSpPr>
+        <p:spPr>
+          <a:xfrm>
+            <a:off x="378541" y="855256"/>
+            <a:ext cx="2993924" cy="369332"/>
+          </a:xfrm>
+          <a:prstGeom prst="rect">
+            <a:avLst/>
+          </a:prstGeom>
+          <a:noFill/>
+        </p:spPr>
+        <p:txBody>
+          <a:bodyPr wrap="square">
+            <a:spAutoFit/>
+          </a:bodyPr>
+          <a:lstStyle/>
+          <a:p>
+            <a:r>
+              <a:rPr lang="en-IN" dirty="0"/>
+              <a:t>Single Request</a:t>
+            </a:r>
+          </a:p>
+        </p:txBody>
+      </p:sp>
+      <p:sp>
+        <p:nvSpPr>
+          <p:cNvPr id="12" name="TextBox 11">
+            <a:extLst>
+              <a:ext uri="{FF2B5EF4-FFF2-40B4-BE49-F238E27FC236}">
+                <a16:creationId xmlns="" xmlns:a16="http://schemas.microsoft.com/office/drawing/2014/main" id="{AF7C339E-4496-3431-463D-3A5FB946F422}"/>
+              </a:ext>
+            </a:extLst>
+          </p:cNvPr>
+          <p:cNvSpPr txBox="1"/>
+          <p:nvPr/>
+        </p:nvSpPr>
+        <p:spPr>
+          <a:xfrm>
+            <a:off x="5043948" y="806564"/>
+            <a:ext cx="2993924" cy="369332"/>
+          </a:xfrm>
+          <a:prstGeom prst="rect">
+            <a:avLst/>
+          </a:prstGeom>
+          <a:noFill/>
+        </p:spPr>
+        <p:txBody>
+          <a:bodyPr wrap="square">
+            <a:spAutoFit/>
+          </a:bodyPr>
+          <a:lstStyle/>
+          <a:p>
+            <a:r>
+              <a:rPr lang="en-IN" dirty="0"/>
+              <a:t>Multiple Requests </a:t>
+            </a:r>
+          </a:p>
+        </p:txBody>
+      </p:sp>
+      <p:pic>
+        <p:nvPicPr>
+          <p:cNvPr id="1028" name="Picture 4"/>
           <p:cNvPicPr>
-            <a:picLocks noChangeAspect="1"/>
+            <a:picLocks noChangeAspect="1" noChangeArrowheads="1"/>
           </p:cNvPicPr>
           <p:nvPr/>
         </p:nvPicPr>
         <p:blipFill>
           <a:blip r:embed="rId3"/>
+          <a:srcRect/>
           <a:stretch>
             <a:fillRect/>
           </a:stretch>
         </p:blipFill>
-        <p:spPr>
-          <a:xfrm>
-            <a:off x="4724402" y="2196610"/>
-            <a:ext cx="4390102" cy="3428337"/>
+        <p:spPr bwMode="auto">
+          <a:xfrm>
+            <a:off x="4609930" y="1224588"/>
+            <a:ext cx="3842567" cy="2785572"/>
           </a:xfrm>
           <a:prstGeom prst="rect">
             <a:avLst/>
           </a:prstGeom>
+          <a:noFill/>
+          <a:ln w="9525">
+            <a:noFill/>
+            <a:miter lim="800000"/>
+            <a:headEnd/>
+            <a:tailEnd/>
+          </a:ln>
         </p:spPr>
       </p:pic>
       <p:sp>
         <p:nvSpPr>
-          <p:cNvPr id="11" name="TextBox 10">
+          <p:cNvPr id="13" name="TextBox 12">
             <a:extLst>
               <a:ext uri="{FF2B5EF4-FFF2-40B4-BE49-F238E27FC236}">
-                <a16:creationId xmlns:a16="http://schemas.microsoft.com/office/drawing/2014/main" id="{8D4E4CE7-1A36-6495-D45A-924A7B174121}"/>
+                <a16:creationId xmlns="" xmlns:a16="http://schemas.microsoft.com/office/drawing/2014/main" id="{8D4E4CE7-1A36-6495-D45A-924A7B174121}"/>
               </a:ext>
             </a:extLst>
           </p:cNvPr>
@@ -7801,7 +8080,7 @@
         </p:nvSpPr>
         <p:spPr>
           <a:xfrm>
-            <a:off x="378541" y="1593920"/>
+            <a:off x="224888" y="4175212"/>
             <a:ext cx="2993924" cy="369332"/>
           </a:xfrm>
           <a:prstGeom prst="rect">
@@ -7816,18 +8095,51 @@
           <a:lstStyle/>
           <a:p>
             <a:r>
-              <a:rPr lang="en-IN" dirty="0"/>
-              <a:t>Single Request</a:t>
-            </a:r>
-          </a:p>
-        </p:txBody>
-      </p:sp>
-      <p:sp>
-        <p:nvSpPr>
-          <p:cNvPr id="12" name="TextBox 11">
+              <a:rPr lang="en-IN" dirty="0" smtClean="0"/>
+              <a:t>Duplicate Email</a:t>
+            </a:r>
+            <a:endParaRPr lang="en-IN" dirty="0"/>
+          </a:p>
+        </p:txBody>
+      </p:sp>
+      <p:pic>
+        <p:nvPicPr>
+          <p:cNvPr id="1030" name="Picture 6"/>
+          <p:cNvPicPr>
+            <a:picLocks noChangeAspect="1" noChangeArrowheads="1"/>
+          </p:cNvPicPr>
+          <p:nvPr/>
+        </p:nvPicPr>
+        <p:blipFill>
+          <a:blip r:embed="rId4"/>
+          <a:srcRect/>
+          <a:stretch>
+            <a:fillRect/>
+          </a:stretch>
+        </p:blipFill>
+        <p:spPr bwMode="auto">
+          <a:xfrm>
+            <a:off x="224888" y="4544544"/>
+            <a:ext cx="3686784" cy="2128630"/>
+          </a:xfrm>
+          <a:prstGeom prst="rect">
+            <a:avLst/>
+          </a:prstGeom>
+          <a:noFill/>
+          <a:ln w="9525">
+            <a:noFill/>
+            <a:miter lim="800000"/>
+            <a:headEnd/>
+            <a:tailEnd/>
+          </a:ln>
+        </p:spPr>
+      </p:pic>
+      <p:sp>
+        <p:nvSpPr>
+          <p:cNvPr id="16" name="TextBox 15">
             <a:extLst>
               <a:ext uri="{FF2B5EF4-FFF2-40B4-BE49-F238E27FC236}">
-                <a16:creationId xmlns:a16="http://schemas.microsoft.com/office/drawing/2014/main" id="{AF7C339E-4496-3431-463D-3A5FB946F422}"/>
+                <a16:creationId xmlns="" xmlns:a16="http://schemas.microsoft.com/office/drawing/2014/main" id="{AF7C339E-4496-3431-463D-3A5FB946F422}"/>
               </a:ext>
             </a:extLst>
           </p:cNvPr>
@@ -7836,7 +8148,7 @@
         </p:nvSpPr>
         <p:spPr>
           <a:xfrm>
-            <a:off x="5043948" y="1593920"/>
+            <a:off x="5157017" y="4175212"/>
             <a:ext cx="2993924" cy="369332"/>
           </a:xfrm>
           <a:prstGeom prst="rect">
@@ -7851,67 +8163,53 @@
           <a:lstStyle/>
           <a:p>
             <a:r>
-              <a:rPr lang="en-IN" dirty="0"/>
-              <a:t>Multiple Requests </a:t>
-            </a:r>
-          </a:p>
-        </p:txBody>
-      </p:sp>
-      <mc:AlternateContent xmlns:mc="http://schemas.openxmlformats.org/markup-compatibility/2006">
-        <mc:Choice xmlns:p14="http://schemas.microsoft.com/office/powerpoint/2010/main" Requires="p14">
-          <p:contentPart p14:bwMode="auto" r:id="rId4">
-            <p14:nvContentPartPr>
-              <p14:cNvPr id="19" name="Ink 18">
-                <a:extLst>
-                  <a:ext uri="{FF2B5EF4-FFF2-40B4-BE49-F238E27FC236}">
-                    <a16:creationId xmlns:a16="http://schemas.microsoft.com/office/drawing/2014/main" id="{85F5C9A5-280A-30DB-03CE-400C1062B3FA}"/>
-                  </a:ext>
-                </a:extLst>
-              </p14:cNvPr>
-              <p14:cNvContentPartPr/>
-              <p14:nvPr/>
-            </p14:nvContentPartPr>
-            <p14:xfrm>
-              <a:off x="4788890" y="4099548"/>
-              <a:ext cx="1798920" cy="80280"/>
-            </p14:xfrm>
-          </p:contentPart>
-        </mc:Choice>
-        <mc:Fallback>
-          <p:pic>
-            <p:nvPicPr>
-              <p:cNvPr id="19" name="Ink 18">
-                <a:extLst>
-                  <a:ext uri="{FF2B5EF4-FFF2-40B4-BE49-F238E27FC236}">
-                    <a16:creationId xmlns:a16="http://schemas.microsoft.com/office/drawing/2014/main" id="{85F5C9A5-280A-30DB-03CE-400C1062B3FA}"/>
-                  </a:ext>
-                </a:extLst>
-              </p:cNvPr>
-              <p:cNvPicPr/>
-              <p:nvPr/>
-            </p:nvPicPr>
-            <p:blipFill>
-              <a:blip r:embed="rId5"/>
-              <a:stretch>
-                <a:fillRect/>
-              </a:stretch>
-            </p:blipFill>
-            <p:spPr>
-              <a:xfrm>
-                <a:off x="4735250" y="3991908"/>
-                <a:ext cx="1906560" cy="295920"/>
-              </a:xfrm>
-              <a:prstGeom prst="rect">
-                <a:avLst/>
-              </a:prstGeom>
-            </p:spPr>
-          </p:pic>
-        </mc:Fallback>
-      </mc:AlternateContent>
+              <a:rPr lang="en-IN" dirty="0" smtClean="0"/>
+              <a:t>Is Phishing Email</a:t>
+            </a:r>
+            <a:r>
+              <a:rPr lang="en-IN" dirty="0" smtClean="0"/>
+              <a:t> </a:t>
+            </a:r>
+            <a:endParaRPr lang="en-IN" dirty="0"/>
+          </a:p>
+        </p:txBody>
+      </p:sp>
+      <p:pic>
+        <p:nvPicPr>
+          <p:cNvPr id="1032" name="Picture 8"/>
+          <p:cNvPicPr>
+            <a:picLocks noChangeAspect="1" noChangeArrowheads="1"/>
+          </p:cNvPicPr>
+          <p:nvPr/>
+        </p:nvPicPr>
+        <p:blipFill>
+          <a:blip r:embed="rId5"/>
+          <a:srcRect/>
+          <a:stretch>
+            <a:fillRect/>
+          </a:stretch>
+        </p:blipFill>
+        <p:spPr bwMode="auto">
+          <a:xfrm>
+            <a:off x="4609930" y="4544303"/>
+            <a:ext cx="3842567" cy="2128871"/>
+          </a:xfrm>
+          <a:prstGeom prst="rect">
+            <a:avLst/>
+          </a:prstGeom>
+          <a:noFill/>
+          <a:ln w="9525">
+            <a:noFill/>
+            <a:miter lim="800000"/>
+            <a:headEnd/>
+            <a:tailEnd/>
+          </a:ln>
+        </p:spPr>
+      </p:pic>
     </p:spTree>
     <p:extLst>
       <p:ext uri="{BB962C8B-B14F-4D97-AF65-F5344CB8AC3E}">
-        <p14:creationId xmlns:p14="http://schemas.microsoft.com/office/powerpoint/2010/main" val="551441084"/>
+        <p14:creationId xmlns="" xmlns:p14="http://schemas.microsoft.com/office/powerpoint/2010/main" val="551441084"/>
       </p:ext>
     </p:extLst>
   </p:cSld>
@@ -8164,7 +8462,7 @@
   <a:extraClrSchemeLst/>
   <a:extLst>
     <a:ext uri="{05A4C25C-085E-4340-85A3-A5531E510DB2}">
-      <thm15:themeFamily xmlns:thm15="http://schemas.microsoft.com/office/thememl/2012/main" name="Celestial" id="{C4BB2A3D-0E93-4C5F-B0D2-9D3FCE089CC5}" vid="{42E5908D-19A2-46FD-89FA-638B126129EF}"/>
+      <thm15:themeFamily xmlns="" xmlns:thm15="http://schemas.microsoft.com/office/thememl/2012/main" name="Celestial" id="{C4BB2A3D-0E93-4C5F-B0D2-9D3FCE089CC5}" vid="{42E5908D-19A2-46FD-89FA-638B126129EF}"/>
     </a:ext>
   </a:extLst>
 </a:theme>

--- a/artifacts/Email_Gatekeeper.pptx
+++ b/artifacts/Email_Gatekeeper.pptx
@@ -16,6 +16,8 @@
     <p:sldId id="269" r:id="rId10"/>
     <p:sldId id="265" r:id="rId11"/>
     <p:sldId id="270" r:id="rId12"/>
+    <p:sldId id="272" r:id="rId13"/>
+    <p:sldId id="273" r:id="rId14"/>
   </p:sldIdLst>
   <p:sldSz cx="9144000" cy="6858000" type="screen4x3"/>
   <p:notesSz cx="6858000" cy="9144000"/>
@@ -6419,6 +6421,13 @@
   <p:clrMapOvr>
     <a:masterClrMapping/>
   </p:clrMapOvr>
+  <p:timing>
+    <p:tnLst>
+      <p:par>
+        <p:cTn id="1" dur="indefinite" restart="never" nodeType="tmRoot"/>
+      </p:par>
+    </p:tnLst>
+  </p:timing>
 </p:sld>
 </file>
 
@@ -6536,6 +6545,13 @@
   <p:clrMapOvr>
     <a:masterClrMapping/>
   </p:clrMapOvr>
+  <p:timing>
+    <p:tnLst>
+      <p:par>
+        <p:cTn id="1" dur="indefinite" restart="never" nodeType="tmRoot"/>
+      </p:par>
+    </p:tnLst>
+  </p:timing>
 </p:sld>
 </file>
 
@@ -6605,6 +6621,243 @@
   <p:clrMapOvr>
     <a:masterClrMapping/>
   </p:clrMapOvr>
+  <p:timing>
+    <p:tnLst>
+      <p:par>
+        <p:cTn id="1" dur="indefinite" restart="never" nodeType="tmRoot"/>
+      </p:par>
+    </p:tnLst>
+  </p:timing>
+</p:sld>
+</file>
+
+<file path=ppt/slides/slide12.xml><?xml version="1.0" encoding="utf-8"?>
+<p:sld xmlns:a="http://schemas.openxmlformats.org/drawingml/2006/main" xmlns:r="http://schemas.openxmlformats.org/officeDocument/2006/relationships" xmlns:p="http://schemas.openxmlformats.org/presentationml/2006/main">
+  <p:cSld>
+    <p:spTree>
+      <p:nvGrpSpPr>
+        <p:cNvPr id="1" name="">
+          <a:extLst>
+            <a:ext uri="{FF2B5EF4-FFF2-40B4-BE49-F238E27FC236}">
+              <a16:creationId xmlns="" xmlns:a16="http://schemas.microsoft.com/office/drawing/2014/main" id="{4A7DA889-72E5-21E0-4742-11DD42B5F167}"/>
+            </a:ext>
+          </a:extLst>
+        </p:cNvPr>
+        <p:cNvGrpSpPr/>
+        <p:nvPr/>
+      </p:nvGrpSpPr>
+      <p:grpSpPr>
+        <a:xfrm>
+          <a:off x="0" y="0"/>
+          <a:ext cx="0" cy="0"/>
+          <a:chOff x="0" y="0"/>
+          <a:chExt cx="0" cy="0"/>
+        </a:xfrm>
+      </p:grpSpPr>
+      <p:sp>
+        <p:nvSpPr>
+          <p:cNvPr id="3" name="Content Placeholder 2">
+            <a:extLst>
+              <a:ext uri="{FF2B5EF4-FFF2-40B4-BE49-F238E27FC236}">
+                <a16:creationId xmlns="" xmlns:a16="http://schemas.microsoft.com/office/drawing/2014/main" id="{1353ECA6-AC52-382E-66AD-AC999C7FF2EA}"/>
+              </a:ext>
+            </a:extLst>
+          </p:cNvPr>
+          <p:cNvSpPr>
+            <a:spLocks noGrp="1"/>
+          </p:cNvSpPr>
+          <p:nvPr>
+            <p:ph idx="1"/>
+          </p:nvPr>
+        </p:nvSpPr>
+        <p:spPr/>
+        <p:txBody>
+          <a:bodyPr>
+            <a:normAutofit/>
+          </a:bodyPr>
+          <a:lstStyle/>
+          <a:p>
+            <a:pPr>
+              <a:buNone/>
+            </a:pPr>
+            <a:r>
+              <a:rPr lang="en-US" sz="6600" dirty="0"/>
+              <a:t>         </a:t>
+            </a:r>
+            <a:r>
+              <a:rPr lang="en-US" sz="6600" dirty="0" smtClean="0"/>
+              <a:t>Appendix</a:t>
+            </a:r>
+            <a:endParaRPr lang="en-US" sz="6600" dirty="0"/>
+          </a:p>
+        </p:txBody>
+      </p:sp>
+    </p:spTree>
+    <p:extLst>
+      <p:ext uri="{BB962C8B-B14F-4D97-AF65-F5344CB8AC3E}">
+        <p14:creationId xmlns="" xmlns:p14="http://schemas.microsoft.com/office/powerpoint/2010/main" val="1276116158"/>
+      </p:ext>
+    </p:extLst>
+  </p:cSld>
+  <p:clrMapOvr>
+    <a:masterClrMapping/>
+  </p:clrMapOvr>
+  <p:timing>
+    <p:tnLst>
+      <p:par>
+        <p:cTn id="1" dur="indefinite" restart="never" nodeType="tmRoot"/>
+      </p:par>
+    </p:tnLst>
+  </p:timing>
+</p:sld>
+</file>
+
+<file path=ppt/slides/slide13.xml><?xml version="1.0" encoding="utf-8"?>
+<p:sld xmlns:a="http://schemas.openxmlformats.org/drawingml/2006/main" xmlns:r="http://schemas.openxmlformats.org/officeDocument/2006/relationships" xmlns:p="http://schemas.openxmlformats.org/presentationml/2006/main">
+  <p:cSld>
+    <p:spTree>
+      <p:nvGrpSpPr>
+        <p:cNvPr id="1" name="">
+          <a:extLst>
+            <a:ext uri="{FF2B5EF4-FFF2-40B4-BE49-F238E27FC236}">
+              <a16:creationId xmlns="" xmlns:a16="http://schemas.microsoft.com/office/drawing/2014/main" id="{EC467EA5-A36C-B7B2-2A05-208D70078F32}"/>
+            </a:ext>
+          </a:extLst>
+        </p:cNvPr>
+        <p:cNvGrpSpPr/>
+        <p:nvPr/>
+      </p:nvGrpSpPr>
+      <p:grpSpPr>
+        <a:xfrm>
+          <a:off x="0" y="0"/>
+          <a:ext cx="0" cy="0"/>
+          <a:chOff x="0" y="0"/>
+          <a:chExt cx="0" cy="0"/>
+        </a:xfrm>
+      </p:grpSpPr>
+      <p:sp>
+        <p:nvSpPr>
+          <p:cNvPr id="2" name="Title 1">
+            <a:extLst>
+              <a:ext uri="{FF2B5EF4-FFF2-40B4-BE49-F238E27FC236}">
+                <a16:creationId xmlns="" xmlns:a16="http://schemas.microsoft.com/office/drawing/2014/main" id="{7774AFCC-1AC2-E61B-BE79-34352C6C5957}"/>
+              </a:ext>
+            </a:extLst>
+          </p:cNvPr>
+          <p:cNvSpPr>
+            <a:spLocks noGrp="1"/>
+          </p:cNvSpPr>
+          <p:nvPr>
+            <p:ph type="title"/>
+          </p:nvPr>
+        </p:nvSpPr>
+        <p:spPr>
+          <a:xfrm>
+            <a:off x="378541" y="137653"/>
+            <a:ext cx="7772400" cy="853577"/>
+          </a:xfrm>
+        </p:spPr>
+        <p:txBody>
+          <a:bodyPr/>
+          <a:lstStyle/>
+          <a:p>
+            <a:r>
+              <a:rPr lang="en-IN" dirty="0"/>
+              <a:t>Outcome</a:t>
+            </a:r>
+            <a:endParaRPr dirty="0"/>
+          </a:p>
+        </p:txBody>
+      </p:sp>
+      <p:sp>
+        <p:nvSpPr>
+          <p:cNvPr id="16" name="TextBox 15">
+            <a:extLst>
+              <a:ext uri="{FF2B5EF4-FFF2-40B4-BE49-F238E27FC236}">
+                <a16:creationId xmlns="" xmlns:a16="http://schemas.microsoft.com/office/drawing/2014/main" id="{AF7C339E-4496-3431-463D-3A5FB946F422}"/>
+              </a:ext>
+            </a:extLst>
+          </p:cNvPr>
+          <p:cNvSpPr txBox="1"/>
+          <p:nvPr/>
+        </p:nvSpPr>
+        <p:spPr>
+          <a:xfrm>
+            <a:off x="378541" y="1159798"/>
+            <a:ext cx="2993924" cy="369332"/>
+          </a:xfrm>
+          <a:prstGeom prst="rect">
+            <a:avLst/>
+          </a:prstGeom>
+          <a:noFill/>
+        </p:spPr>
+        <p:txBody>
+          <a:bodyPr wrap="square">
+            <a:spAutoFit/>
+          </a:bodyPr>
+          <a:lstStyle/>
+          <a:p>
+            <a:r>
+              <a:rPr lang="en-IN" dirty="0" smtClean="0"/>
+              <a:t>Is Phishing Email</a:t>
+            </a:r>
+            <a:r>
+              <a:rPr lang="en-IN" dirty="0" smtClean="0"/>
+              <a:t> </a:t>
+            </a:r>
+            <a:endParaRPr lang="en-IN" dirty="0"/>
+          </a:p>
+        </p:txBody>
+      </p:sp>
+      <p:pic>
+        <p:nvPicPr>
+          <p:cNvPr id="1032" name="Picture 8"/>
+          <p:cNvPicPr>
+            <a:picLocks noChangeAspect="1" noChangeArrowheads="1"/>
+          </p:cNvPicPr>
+          <p:nvPr/>
+        </p:nvPicPr>
+        <p:blipFill>
+          <a:blip r:embed="rId2"/>
+          <a:srcRect/>
+          <a:stretch>
+            <a:fillRect/>
+          </a:stretch>
+        </p:blipFill>
+        <p:spPr bwMode="auto">
+          <a:xfrm>
+            <a:off x="378541" y="1529130"/>
+            <a:ext cx="3842567" cy="2313296"/>
+          </a:xfrm>
+          <a:prstGeom prst="rect">
+            <a:avLst/>
+          </a:prstGeom>
+          <a:noFill/>
+          <a:ln w="9525">
+            <a:noFill/>
+            <a:miter lim="800000"/>
+            <a:headEnd/>
+            <a:tailEnd/>
+          </a:ln>
+        </p:spPr>
+      </p:pic>
+    </p:spTree>
+    <p:extLst>
+      <p:ext uri="{BB962C8B-B14F-4D97-AF65-F5344CB8AC3E}">
+        <p14:creationId xmlns="" xmlns:p14="http://schemas.microsoft.com/office/powerpoint/2010/main" val="551441084"/>
+      </p:ext>
+    </p:extLst>
+  </p:cSld>
+  <p:clrMapOvr>
+    <a:masterClrMapping/>
+  </p:clrMapOvr>
+  <p:timing>
+    <p:tnLst>
+      <p:par>
+        <p:cTn id="1" dur="indefinite" restart="never" nodeType="tmRoot"/>
+      </p:par>
+    </p:tnLst>
+  </p:timing>
 </p:sld>
 </file>
 
@@ -6687,7 +6940,11 @@
             <a:pPr lvl="0"/>
             <a:r>
               <a:rPr lang="en-US" dirty="0" smtClean="0"/>
-              <a:t>“Analyst “ role </a:t>
+              <a:t>“Gate Keeper “ </a:t>
+            </a:r>
+            <a:r>
+              <a:rPr lang="en-US" dirty="0" smtClean="0"/>
+              <a:t>role </a:t>
             </a:r>
             <a:r>
               <a:rPr lang="en-US" dirty="0"/>
@@ -6756,6 +7013,13 @@
   <p:clrMapOvr>
     <a:masterClrMapping/>
   </p:clrMapOvr>
+  <p:timing>
+    <p:tnLst>
+      <p:par>
+        <p:cTn id="1" dur="indefinite" restart="never" nodeType="tmRoot"/>
+      </p:par>
+    </p:tnLst>
+  </p:timing>
 </p:sld>
 </file>
 
@@ -6880,6 +7144,13 @@
   <p:clrMapOvr>
     <a:masterClrMapping/>
   </p:clrMapOvr>
+  <p:timing>
+    <p:tnLst>
+      <p:par>
+        <p:cTn id="1" dur="indefinite" restart="never" nodeType="tmRoot"/>
+      </p:par>
+    </p:tnLst>
+  </p:timing>
 </p:sld>
 </file>
 
@@ -6967,8 +7238,8 @@
         </p:nvSpPr>
         <p:spPr>
           <a:xfrm>
-            <a:off x="739302" y="2071991"/>
-            <a:ext cx="2675106" cy="573932"/>
+            <a:off x="603115" y="2071991"/>
+            <a:ext cx="3210128" cy="573932"/>
           </a:xfrm>
           <a:prstGeom prst="rect">
             <a:avLst/>
@@ -7018,8 +7289,8 @@
         </p:nvSpPr>
         <p:spPr>
           <a:xfrm>
-            <a:off x="5311302" y="2071991"/>
-            <a:ext cx="2918298" cy="573932"/>
+            <a:off x="4800600" y="2071991"/>
+            <a:ext cx="3608962" cy="573932"/>
           </a:xfrm>
           <a:prstGeom prst="rect">
             <a:avLst/>
@@ -7077,8 +7348,8 @@
         </p:nvSpPr>
         <p:spPr>
           <a:xfrm>
-            <a:off x="5311302" y="2996118"/>
-            <a:ext cx="2918298" cy="593387"/>
+            <a:off x="4800600" y="3463049"/>
+            <a:ext cx="3608962" cy="593387"/>
           </a:xfrm>
           <a:prstGeom prst="rect">
             <a:avLst/>
@@ -7128,8 +7399,8 @@
         </p:nvSpPr>
         <p:spPr>
           <a:xfrm>
-            <a:off x="739302" y="2996118"/>
-            <a:ext cx="2675106" cy="535019"/>
+            <a:off x="603115" y="3463049"/>
+            <a:ext cx="3210128" cy="535019"/>
           </a:xfrm>
           <a:prstGeom prst="rect">
             <a:avLst/>
@@ -7179,8 +7450,8 @@
         </p:nvSpPr>
         <p:spPr>
           <a:xfrm>
-            <a:off x="2714017" y="4231532"/>
-            <a:ext cx="3608962" cy="622570"/>
+            <a:off x="603115" y="4854102"/>
+            <a:ext cx="3210128" cy="622570"/>
           </a:xfrm>
           <a:prstGeom prst="rect">
             <a:avLst/>
@@ -7222,11 +7493,70 @@
           </a:p>
         </p:txBody>
       </p:sp>
+      <p:sp>
+        <p:nvSpPr>
+          <p:cNvPr id="9" name="Rectangle 8"/>
+          <p:cNvSpPr/>
+          <p:nvPr/>
+        </p:nvSpPr>
+        <p:spPr>
+          <a:xfrm>
+            <a:off x="4800600" y="4854102"/>
+            <a:ext cx="3608962" cy="622570"/>
+          </a:xfrm>
+          <a:prstGeom prst="rect">
+            <a:avLst/>
+          </a:prstGeom>
+        </p:spPr>
+        <p:style>
+          <a:lnRef idx="2">
+            <a:schemeClr val="accent1">
+              <a:shade val="50000"/>
+            </a:schemeClr>
+          </a:lnRef>
+          <a:fillRef idx="1">
+            <a:schemeClr val="accent1"/>
+          </a:fillRef>
+          <a:effectRef idx="0">
+            <a:schemeClr val="accent1"/>
+          </a:effectRef>
+          <a:fontRef idx="minor">
+            <a:schemeClr val="lt1"/>
+          </a:fontRef>
+        </p:style>
+        <p:txBody>
+          <a:bodyPr rtlCol="0" anchor="ctr"/>
+          <a:lstStyle/>
+          <a:p>
+            <a:pPr algn="ctr"/>
+            <a:endParaRPr lang="en-IN" dirty="0" smtClean="0"/>
+          </a:p>
+          <a:p>
+            <a:pPr algn="ctr"/>
+            <a:r>
+              <a:rPr lang="en-IN" dirty="0" smtClean="0"/>
+              <a:t>Configuration Update</a:t>
+            </a:r>
+            <a:endParaRPr lang="en-IN" dirty="0" smtClean="0"/>
+          </a:p>
+          <a:p>
+            <a:pPr algn="ctr"/>
+            <a:endParaRPr lang="en-US" dirty="0"/>
+          </a:p>
+        </p:txBody>
+      </p:sp>
     </p:spTree>
   </p:cSld>
   <p:clrMapOvr>
     <a:masterClrMapping/>
   </p:clrMapOvr>
+  <p:timing>
+    <p:tnLst>
+      <p:par>
+        <p:cTn id="1" dur="indefinite" restart="never" nodeType="tmRoot"/>
+      </p:par>
+    </p:tnLst>
+  </p:timing>
 </p:sld>
 </file>
 
@@ -7392,8 +7722,25 @@
           <a:p>
             <a:r>
               <a:rPr lang="en-IN" dirty="0"/>
-              <a:t>Used Zero Shot Classification, used Mistral AI LLM</a:t>
-            </a:r>
+              <a:t>Used </a:t>
+            </a:r>
+            <a:r>
+              <a:rPr lang="en-IN" dirty="0" smtClean="0"/>
+              <a:t> Sliding Window </a:t>
+            </a:r>
+            <a:r>
+              <a:rPr lang="en-IN" dirty="0" smtClean="0"/>
+              <a:t>A</a:t>
+            </a:r>
+            <a:r>
+              <a:rPr lang="en-IN" dirty="0" smtClean="0"/>
+              <a:t>ttention , used </a:t>
+            </a:r>
+            <a:r>
+              <a:rPr lang="en-US" dirty="0" smtClean="0"/>
+              <a:t>Mistral-7B-Instruct-v0.1 LLM</a:t>
+            </a:r>
+            <a:endParaRPr lang="en-IN" dirty="0"/>
           </a:p>
           <a:p>
             <a:endParaRPr lang="en-IN" u="sng" dirty="0"/>
@@ -7413,20 +7760,32 @@
           </a:p>
           <a:p>
             <a:r>
+              <a:rPr lang="en-IN" dirty="0" smtClean="0"/>
+              <a:t> </a:t>
+            </a:r>
+            <a:r>
               <a:rPr lang="en-IN" dirty="0"/>
-              <a:t>• Comprehensive exception management</a:t>
-            </a:r>
-          </a:p>
-          <a:p>
+              <a:t>Comprehensive exception management</a:t>
+            </a:r>
+          </a:p>
+          <a:p>
+            <a:r>
+              <a:rPr lang="en-IN" dirty="0" smtClean="0"/>
+              <a:t> </a:t>
+            </a:r>
             <a:r>
               <a:rPr lang="en-IN" dirty="0"/>
-              <a:t>• Detailed logging system</a:t>
-            </a:r>
-          </a:p>
-          <a:p>
+              <a:t>Detailed logging system</a:t>
+            </a:r>
+          </a:p>
+          <a:p>
+            <a:r>
+              <a:rPr lang="en-IN" dirty="0" smtClean="0"/>
+              <a:t>Graceful </a:t>
+            </a:r>
             <a:r>
               <a:rPr lang="en-IN" dirty="0"/>
-              <a:t>• Graceful error recovery</a:t>
+              <a:t>error recovery</a:t>
             </a:r>
           </a:p>
           <a:p>
@@ -7450,14 +7809,22 @@
           </a:p>
           <a:p>
             <a:r>
+              <a:rPr lang="en-IN" dirty="0" smtClean="0"/>
+              <a:t>Environment-based </a:t>
+            </a:r>
+            <a:r>
               <a:rPr lang="en-IN" dirty="0"/>
-              <a:t>• Environment-based API key management</a:t>
-            </a:r>
-          </a:p>
-          <a:p>
+              <a:t>API key management</a:t>
+            </a:r>
+          </a:p>
+          <a:p>
+            <a:r>
+              <a:rPr lang="en-IN" dirty="0" smtClean="0"/>
+              <a:t>Extensible </a:t>
+            </a:r>
             <a:r>
               <a:rPr lang="en-IN" dirty="0"/>
-              <a:t>• Extensible category system and Configurable logging </a:t>
+              <a:t>category system and Configurable logging </a:t>
             </a:r>
           </a:p>
           <a:p>
@@ -7484,6 +7851,13 @@
   <p:clrMapOvr>
     <a:masterClrMapping/>
   </p:clrMapOvr>
+  <p:timing>
+    <p:tnLst>
+      <p:par>
+        <p:cTn id="1" dur="indefinite" restart="never" nodeType="tmRoot"/>
+      </p:par>
+    </p:tnLst>
+  </p:timing>
 </p:sld>
 </file>
 
@@ -7605,6 +7979,13 @@
   <p:clrMapOvr>
     <a:masterClrMapping/>
   </p:clrMapOvr>
+  <p:timing>
+    <p:tnLst>
+      <p:par>
+        <p:cTn id="1" dur="indefinite" restart="never" nodeType="tmRoot"/>
+      </p:par>
+    </p:tnLst>
+  </p:timing>
 </p:sld>
 </file>
 
@@ -7702,6 +8083,13 @@
   <p:clrMapOvr>
     <a:masterClrMapping/>
   </p:clrMapOvr>
+  <p:timing>
+    <p:tnLst>
+      <p:par>
+        <p:cTn id="1" dur="indefinite" restart="never" nodeType="tmRoot"/>
+      </p:par>
+    </p:tnLst>
+  </p:timing>
 </p:sld>
 </file>
 
@@ -7875,6 +8263,13 @@
   <p:clrMapOvr>
     <a:masterClrMapping/>
   </p:clrMapOvr>
+  <p:timing>
+    <p:tnLst>
+      <p:par>
+        <p:cTn id="1" dur="indefinite" restart="never" nodeType="tmRoot"/>
+      </p:par>
+    </p:tnLst>
+  </p:timing>
 </p:sld>
 </file>
 
@@ -7960,7 +8355,7 @@
         <p:spPr>
           <a:xfrm>
             <a:off x="224888" y="1224588"/>
-            <a:ext cx="3714814" cy="2785572"/>
+            <a:ext cx="3686784" cy="2433012"/>
           </a:xfrm>
         </p:spPr>
       </p:pic>
@@ -8052,7 +8447,7 @@
         <p:spPr bwMode="auto">
           <a:xfrm>
             <a:off x="4609930" y="1224588"/>
-            <a:ext cx="3842567" cy="2785572"/>
+            <a:ext cx="3842567" cy="2433012"/>
           </a:xfrm>
           <a:prstGeom prst="rect">
             <a:avLst/>
@@ -8080,7 +8475,7 @@
         </p:nvSpPr>
         <p:spPr>
           <a:xfrm>
-            <a:off x="224888" y="4175212"/>
+            <a:off x="643177" y="3990546"/>
             <a:ext cx="2993924" cy="369332"/>
           </a:xfrm>
           <a:prstGeom prst="rect">
@@ -8119,8 +8514,8 @@
         </p:blipFill>
         <p:spPr bwMode="auto">
           <a:xfrm>
-            <a:off x="224888" y="4544544"/>
-            <a:ext cx="3686784" cy="2128630"/>
+            <a:off x="224888" y="4359878"/>
+            <a:ext cx="3686784" cy="2313296"/>
           </a:xfrm>
           <a:prstGeom prst="rect">
             <a:avLst/>
@@ -8134,49 +8529,9 @@
           </a:ln>
         </p:spPr>
       </p:pic>
-      <p:sp>
-        <p:nvSpPr>
-          <p:cNvPr id="16" name="TextBox 15">
-            <a:extLst>
-              <a:ext uri="{FF2B5EF4-FFF2-40B4-BE49-F238E27FC236}">
-                <a16:creationId xmlns="" xmlns:a16="http://schemas.microsoft.com/office/drawing/2014/main" id="{AF7C339E-4496-3431-463D-3A5FB946F422}"/>
-              </a:ext>
-            </a:extLst>
-          </p:cNvPr>
-          <p:cNvSpPr txBox="1"/>
-          <p:nvPr/>
-        </p:nvSpPr>
-        <p:spPr>
-          <a:xfrm>
-            <a:off x="5157017" y="4175212"/>
-            <a:ext cx="2993924" cy="369332"/>
-          </a:xfrm>
-          <a:prstGeom prst="rect">
-            <a:avLst/>
-          </a:prstGeom>
-          <a:noFill/>
-        </p:spPr>
-        <p:txBody>
-          <a:bodyPr wrap="square">
-            <a:spAutoFit/>
-          </a:bodyPr>
-          <a:lstStyle/>
-          <a:p>
-            <a:r>
-              <a:rPr lang="en-IN" dirty="0" smtClean="0"/>
-              <a:t>Is Phishing Email</a:t>
-            </a:r>
-            <a:r>
-              <a:rPr lang="en-IN" dirty="0" smtClean="0"/>
-              <a:t> </a:t>
-            </a:r>
-            <a:endParaRPr lang="en-IN" dirty="0"/>
-          </a:p>
-        </p:txBody>
-      </p:sp>
       <p:pic>
         <p:nvPicPr>
-          <p:cNvPr id="1032" name="Picture 8"/>
+          <p:cNvPr id="1033" name="Picture 9" descr="C:\Users\amita\Downloads\image (3).png"/>
           <p:cNvPicPr>
             <a:picLocks noChangeAspect="1" noChangeArrowheads="1"/>
           </p:cNvPicPr>
@@ -8191,21 +8546,77 @@
         </p:blipFill>
         <p:spPr bwMode="auto">
           <a:xfrm>
-            <a:off x="4609930" y="4544303"/>
-            <a:ext cx="3842567" cy="2128871"/>
+            <a:off x="4381425" y="5468831"/>
+            <a:ext cx="4071072" cy="1204343"/>
           </a:xfrm>
           <a:prstGeom prst="rect">
             <a:avLst/>
           </a:prstGeom>
           <a:noFill/>
-          <a:ln w="9525">
-            <a:noFill/>
-            <a:miter lim="800000"/>
-            <a:headEnd/>
-            <a:tailEnd/>
-          </a:ln>
         </p:spPr>
       </p:pic>
+      <p:pic>
+        <p:nvPicPr>
+          <p:cNvPr id="1034" name="Picture 10" descr="C:\Users\amita\Downloads\image (2).png"/>
+          <p:cNvPicPr>
+            <a:picLocks noChangeAspect="1" noChangeArrowheads="1"/>
+          </p:cNvPicPr>
+          <p:nvPr/>
+        </p:nvPicPr>
+        <p:blipFill>
+          <a:blip r:embed="rId6"/>
+          <a:srcRect/>
+          <a:stretch>
+            <a:fillRect/>
+          </a:stretch>
+        </p:blipFill>
+        <p:spPr bwMode="auto">
+          <a:xfrm>
+            <a:off x="4381425" y="4359878"/>
+            <a:ext cx="4071072" cy="1099602"/>
+          </a:xfrm>
+          <a:prstGeom prst="rect">
+            <a:avLst/>
+          </a:prstGeom>
+          <a:noFill/>
+        </p:spPr>
+      </p:pic>
+      <p:sp>
+        <p:nvSpPr>
+          <p:cNvPr id="20" name="TextBox 19">
+            <a:extLst>
+              <a:ext uri="{FF2B5EF4-FFF2-40B4-BE49-F238E27FC236}">
+                <a16:creationId xmlns="" xmlns:a16="http://schemas.microsoft.com/office/drawing/2014/main" id="{8D4E4CE7-1A36-6495-D45A-924A7B174121}"/>
+              </a:ext>
+            </a:extLst>
+          </p:cNvPr>
+          <p:cNvSpPr txBox="1"/>
+          <p:nvPr/>
+        </p:nvSpPr>
+        <p:spPr>
+          <a:xfrm>
+            <a:off x="5043948" y="3958280"/>
+            <a:ext cx="2993924" cy="369332"/>
+          </a:xfrm>
+          <a:prstGeom prst="rect">
+            <a:avLst/>
+          </a:prstGeom>
+          <a:noFill/>
+        </p:spPr>
+        <p:txBody>
+          <a:bodyPr wrap="square">
+            <a:spAutoFit/>
+          </a:bodyPr>
+          <a:lstStyle/>
+          <a:p>
+            <a:r>
+              <a:rPr lang="en-IN" dirty="0" smtClean="0"/>
+              <a:t>Configuration Update</a:t>
+            </a:r>
+            <a:endParaRPr lang="en-IN" dirty="0"/>
+          </a:p>
+        </p:txBody>
+      </p:sp>
     </p:spTree>
     <p:extLst>
       <p:ext uri="{BB962C8B-B14F-4D97-AF65-F5344CB8AC3E}">
@@ -8216,6 +8627,13 @@
   <p:clrMapOvr>
     <a:masterClrMapping/>
   </p:clrMapOvr>
+  <p:timing>
+    <p:tnLst>
+      <p:par>
+        <p:cTn id="1" dur="indefinite" restart="never" nodeType="tmRoot"/>
+      </p:par>
+    </p:tnLst>
+  </p:timing>
 </p:sld>
 </file>
 
